--- a/Equip_B/results/ppt sprint1 FINANCES.PAU.pptx
+++ b/Equip_B/results/ppt sprint1 FINANCES.PAU.pptx
@@ -3802,7 +3802,7 @@
         </p:blipFill>
         <p:spPr>
           <a:xfrm>
-            <a:off x="803564" y="1340614"/>
+            <a:off x="4813561" y="1260292"/>
             <a:ext cx="2959331" cy="2582797"/>
           </a:xfrm>
           <a:prstGeom prst="rect">
@@ -3832,8 +3832,8 @@
         </p:blipFill>
         <p:spPr>
           <a:xfrm>
-            <a:off x="4608835" y="2582136"/>
-            <a:ext cx="6635952" cy="3037268"/>
+            <a:off x="720814" y="3790742"/>
+            <a:ext cx="6295638" cy="2881507"/>
           </a:xfrm>
           <a:prstGeom prst="rect">
             <a:avLst/>
@@ -3862,14 +3862,130 @@
         </p:blipFill>
         <p:spPr>
           <a:xfrm>
-            <a:off x="947213" y="3732696"/>
-            <a:ext cx="2815682" cy="2773512"/>
+            <a:off x="8428298" y="1366092"/>
+            <a:ext cx="2959330" cy="2332913"/>
           </a:xfrm>
           <a:prstGeom prst="rect">
             <a:avLst/>
           </a:prstGeom>
         </p:spPr>
       </p:pic>
+      <p:pic>
+        <p:nvPicPr>
+          <p:cNvPr id="3" name="Imatge 2">
+            <a:extLst>
+              <a:ext uri="{FF2B5EF4-FFF2-40B4-BE49-F238E27FC236}">
+                <a16:creationId xmlns:a16="http://schemas.microsoft.com/office/drawing/2014/main" id="{6EE87561-2AEC-76C0-8064-144CC16B65CC}"/>
+              </a:ext>
+            </a:extLst>
+          </p:cNvPr>
+          <p:cNvPicPr>
+            <a:picLocks noChangeAspect="1"/>
+          </p:cNvPicPr>
+          <p:nvPr/>
+        </p:nvPicPr>
+        <p:blipFill>
+          <a:blip r:embed="rId5"/>
+          <a:stretch>
+            <a:fillRect/>
+          </a:stretch>
+        </p:blipFill>
+        <p:spPr>
+          <a:xfrm>
+            <a:off x="804372" y="1548609"/>
+            <a:ext cx="3462632" cy="1552600"/>
+          </a:xfrm>
+          <a:prstGeom prst="rect">
+            <a:avLst/>
+          </a:prstGeom>
+        </p:spPr>
+      </p:pic>
+      <p:pic>
+        <p:nvPicPr>
+          <p:cNvPr id="6" name="Imatge 5">
+            <a:extLst>
+              <a:ext uri="{FF2B5EF4-FFF2-40B4-BE49-F238E27FC236}">
+                <a16:creationId xmlns:a16="http://schemas.microsoft.com/office/drawing/2014/main" id="{D835DC64-3424-1740-808E-8EC0EB57347E}"/>
+              </a:ext>
+            </a:extLst>
+          </p:cNvPr>
+          <p:cNvPicPr>
+            <a:picLocks noChangeAspect="1"/>
+          </p:cNvPicPr>
+          <p:nvPr/>
+        </p:nvPicPr>
+        <p:blipFill>
+          <a:blip r:embed="rId6"/>
+          <a:stretch>
+            <a:fillRect/>
+          </a:stretch>
+        </p:blipFill>
+        <p:spPr>
+          <a:xfrm>
+            <a:off x="6506689" y="2104408"/>
+            <a:ext cx="1019527" cy="842218"/>
+          </a:xfrm>
+          <a:prstGeom prst="rect">
+            <a:avLst/>
+          </a:prstGeom>
+        </p:spPr>
+      </p:pic>
+      <p:sp>
+        <p:nvSpPr>
+          <p:cNvPr id="8" name="Rectangle 7">
+            <a:extLst>
+              <a:ext uri="{FF2B5EF4-FFF2-40B4-BE49-F238E27FC236}">
+                <a16:creationId xmlns:a16="http://schemas.microsoft.com/office/drawing/2014/main" id="{A6DDA8D8-C504-D12E-8ACB-DB00A04B5B6E}"/>
+              </a:ext>
+            </a:extLst>
+          </p:cNvPr>
+          <p:cNvSpPr/>
+          <p:nvPr/>
+        </p:nvSpPr>
+        <p:spPr>
+          <a:xfrm>
+            <a:off x="6893169" y="5498356"/>
+            <a:ext cx="4755734" cy="892552"/>
+          </a:xfrm>
+          <a:prstGeom prst="rect">
+            <a:avLst/>
+          </a:prstGeom>
+          <a:solidFill>
+            <a:schemeClr val="bg1">
+              <a:lumMod val="85000"/>
+            </a:schemeClr>
+          </a:solidFill>
+          <a:ln>
+            <a:solidFill>
+              <a:schemeClr val="bg1"/>
+            </a:solidFill>
+          </a:ln>
+        </p:spPr>
+        <p:style>
+          <a:lnRef idx="2">
+            <a:schemeClr val="accent1">
+              <a:shade val="15000"/>
+            </a:schemeClr>
+          </a:lnRef>
+          <a:fillRef idx="1">
+            <a:schemeClr val="accent1"/>
+          </a:fillRef>
+          <a:effectRef idx="0">
+            <a:schemeClr val="accent1"/>
+          </a:effectRef>
+          <a:fontRef idx="minor">
+            <a:schemeClr val="lt1"/>
+          </a:fontRef>
+        </p:style>
+        <p:txBody>
+          <a:bodyPr rtlCol="0" anchor="ctr"/>
+          <a:lstStyle/>
+          <a:p>
+            <a:pPr algn="ctr"/>
+            <a:endParaRPr lang="ca-ES"/>
+          </a:p>
+        </p:txBody>
+      </p:sp>
     </p:spTree>
     <p:extLst>
       <p:ext uri="{BB962C8B-B14F-4D97-AF65-F5344CB8AC3E}">
@@ -3908,487 +4024,34 @@
       </p:grpSpPr>
       <p:sp>
         <p:nvSpPr>
-          <p:cNvPr id="4" name="QuadreDeText 3">
-            <a:extLst>
-              <a:ext uri="{FF2B5EF4-FFF2-40B4-BE49-F238E27FC236}">
-                <a16:creationId xmlns:a16="http://schemas.microsoft.com/office/drawing/2014/main" id="{E36E55D7-03BF-C8CA-C726-A10A8007E6B2}"/>
-              </a:ext>
-            </a:extLst>
-          </p:cNvPr>
-          <p:cNvSpPr txBox="1"/>
+          <p:cNvPr id="3" name="Rectangle 2">
+            <a:extLst>
+              <a:ext uri="{FF2B5EF4-FFF2-40B4-BE49-F238E27FC236}">
+                <a16:creationId xmlns:a16="http://schemas.microsoft.com/office/drawing/2014/main" id="{1D845E27-952A-5174-2E34-681B0ECF9CC1}"/>
+              </a:ext>
+            </a:extLst>
+          </p:cNvPr>
+          <p:cNvSpPr/>
           <p:nvPr/>
         </p:nvSpPr>
         <p:spPr>
           <a:xfrm>
-            <a:off x="1280159" y="405537"/>
-            <a:ext cx="9576263" cy="677108"/>
+            <a:off x="742012" y="6062397"/>
+            <a:ext cx="10765680" cy="653220"/>
           </a:xfrm>
           <a:prstGeom prst="rect">
             <a:avLst/>
           </a:prstGeom>
-          <a:noFill/>
-        </p:spPr>
-        <p:txBody>
-          <a:bodyPr wrap="square">
-            <a:spAutoFit/>
-          </a:bodyPr>
-          <a:lstStyle/>
-          <a:p>
-            <a:pPr algn="ctr"/>
-            <a:r>
-              <a:rPr lang="es-ES" sz="2400" b="1" dirty="0">
-                <a:solidFill>
-                  <a:srgbClr val="569CD6"/>
-                </a:solidFill>
-                <a:effectLst/>
-                <a:latin typeface="Consolas" panose="020B0609020204030204" pitchFamily="49" charset="0"/>
-              </a:rPr>
-              <a:t>2. TRATAMIENTO DE OUTLIERS</a:t>
-            </a:r>
-          </a:p>
-          <a:p>
-            <a:pPr algn="ctr"/>
-            <a:r>
-              <a:rPr lang="es-ES" sz="1400" b="1" dirty="0">
-                <a:solidFill>
-                  <a:srgbClr val="569CD6"/>
-                </a:solidFill>
-                <a:latin typeface="Consolas" panose="020B0609020204030204" pitchFamily="49" charset="0"/>
-              </a:rPr>
-              <a:t>Detectamos un 9,45% </a:t>
-            </a:r>
-            <a:r>
-              <a:rPr lang="es-ES" sz="1400" b="1" dirty="0" err="1">
-                <a:solidFill>
-                  <a:srgbClr val="569CD6"/>
-                </a:solidFill>
-                <a:latin typeface="Consolas" panose="020B0609020204030204" pitchFamily="49" charset="0"/>
-              </a:rPr>
-              <a:t>outliers</a:t>
-            </a:r>
-            <a:r>
-              <a:rPr lang="es-ES" sz="1400" b="1" dirty="0">
-                <a:solidFill>
-                  <a:srgbClr val="569CD6"/>
-                </a:solidFill>
-                <a:latin typeface="Consolas" panose="020B0609020204030204" pitchFamily="49" charset="0"/>
-              </a:rPr>
-              <a:t> en ‘balance’ y diseñamos la estrategia para su tratamiento.</a:t>
-            </a:r>
-          </a:p>
-        </p:txBody>
-      </p:sp>
-      <p:pic>
-        <p:nvPicPr>
-          <p:cNvPr id="11" name="Imatge 10">
-            <a:extLst>
-              <a:ext uri="{FF2B5EF4-FFF2-40B4-BE49-F238E27FC236}">
-                <a16:creationId xmlns:a16="http://schemas.microsoft.com/office/drawing/2014/main" id="{9B30B857-8B87-B54B-B91D-9E7F77DC9C21}"/>
-              </a:ext>
-            </a:extLst>
-          </p:cNvPr>
-          <p:cNvPicPr>
-            <a:picLocks noChangeAspect="1"/>
-          </p:cNvPicPr>
-          <p:nvPr/>
-        </p:nvPicPr>
-        <p:blipFill>
-          <a:blip r:embed="rId2"/>
-          <a:stretch>
-            <a:fillRect/>
-          </a:stretch>
-        </p:blipFill>
-        <p:spPr>
-          <a:xfrm>
-            <a:off x="918949" y="1869915"/>
-            <a:ext cx="4617284" cy="1921132"/>
-          </a:xfrm>
-          <a:prstGeom prst="rect">
-            <a:avLst/>
-          </a:prstGeom>
-        </p:spPr>
-      </p:pic>
-      <p:sp>
-        <p:nvSpPr>
-          <p:cNvPr id="5" name="QuadreDeText 4">
-            <a:extLst>
-              <a:ext uri="{FF2B5EF4-FFF2-40B4-BE49-F238E27FC236}">
-                <a16:creationId xmlns:a16="http://schemas.microsoft.com/office/drawing/2014/main" id="{203CA059-EFA5-91E5-1B5A-EB10B6F4E1B2}"/>
-              </a:ext>
-            </a:extLst>
-          </p:cNvPr>
-          <p:cNvSpPr txBox="1"/>
-          <p:nvPr/>
-        </p:nvSpPr>
-        <p:spPr>
-          <a:xfrm>
-            <a:off x="5974080" y="1349870"/>
-            <a:ext cx="6217920" cy="677108"/>
-          </a:xfrm>
-          <a:prstGeom prst="rect">
-            <a:avLst/>
-          </a:prstGeom>
-          <a:noFill/>
-        </p:spPr>
-        <p:txBody>
-          <a:bodyPr wrap="square" rtlCol="0">
-            <a:spAutoFit/>
-          </a:bodyPr>
-          <a:lstStyle/>
-          <a:p>
-            <a:r>
-              <a:rPr lang="es-ES" sz="1400" b="1" dirty="0">
-                <a:latin typeface="Consolas" panose="020B0609020204030204" pitchFamily="49" charset="0"/>
-              </a:rPr>
-              <a:t>2.1</a:t>
-            </a:r>
-            <a:r>
-              <a:rPr lang="es-ES" sz="1200" dirty="0">
-                <a:latin typeface="Consolas" panose="020B0609020204030204" pitchFamily="49" charset="0"/>
-              </a:rPr>
-              <a:t> En una primera aproximación realizamos la transformación logarítmica para tratar los </a:t>
-            </a:r>
-            <a:r>
-              <a:rPr lang="es-ES" sz="1200" dirty="0" err="1">
-                <a:latin typeface="Consolas" panose="020B0609020204030204" pitchFamily="49" charset="0"/>
-              </a:rPr>
-              <a:t>outliers</a:t>
-            </a:r>
-            <a:r>
-              <a:rPr lang="es-ES" sz="1200" dirty="0">
-                <a:latin typeface="Consolas" panose="020B0609020204030204" pitchFamily="49" charset="0"/>
-              </a:rPr>
-              <a:t> ya que es la más indicada para esta distribución.  </a:t>
-            </a:r>
-          </a:p>
-        </p:txBody>
-      </p:sp>
-      <p:sp>
-        <p:nvSpPr>
-          <p:cNvPr id="17" name="QuadreDeText 16">
-            <a:extLst>
-              <a:ext uri="{FF2B5EF4-FFF2-40B4-BE49-F238E27FC236}">
-                <a16:creationId xmlns:a16="http://schemas.microsoft.com/office/drawing/2014/main" id="{C6D30F8E-EC71-1CBB-0B23-D331F534E8A7}"/>
-              </a:ext>
-            </a:extLst>
-          </p:cNvPr>
-          <p:cNvSpPr txBox="1"/>
-          <p:nvPr/>
-        </p:nvSpPr>
-        <p:spPr>
-          <a:xfrm>
-            <a:off x="9833675" y="2351782"/>
-            <a:ext cx="2045494" cy="830997"/>
-          </a:xfrm>
-          <a:prstGeom prst="rect">
-            <a:avLst/>
-          </a:prstGeom>
-          <a:noFill/>
-        </p:spPr>
-        <p:txBody>
-          <a:bodyPr wrap="square">
-            <a:spAutoFit/>
-          </a:bodyPr>
-          <a:lstStyle/>
-          <a:p>
-            <a:r>
-              <a:rPr lang="es-ES" sz="1200" dirty="0">
-                <a:latin typeface="Consolas" panose="020B0609020204030204" pitchFamily="49" charset="0"/>
-              </a:rPr>
-              <a:t>Constatamos que el tratamiento no altera apenas la distribución.</a:t>
-            </a:r>
-          </a:p>
-        </p:txBody>
-      </p:sp>
-      <p:sp>
-        <p:nvSpPr>
-          <p:cNvPr id="19" name="QuadreDeText 18">
-            <a:extLst>
-              <a:ext uri="{FF2B5EF4-FFF2-40B4-BE49-F238E27FC236}">
-                <a16:creationId xmlns:a16="http://schemas.microsoft.com/office/drawing/2014/main" id="{A03ADF96-6ED5-755A-03A3-15FB9578CD92}"/>
-              </a:ext>
-            </a:extLst>
-          </p:cNvPr>
-          <p:cNvSpPr txBox="1"/>
-          <p:nvPr/>
-        </p:nvSpPr>
-        <p:spPr>
-          <a:xfrm>
-            <a:off x="918949" y="6163803"/>
-            <a:ext cx="9382296" cy="461665"/>
-          </a:xfrm>
-          <a:prstGeom prst="rect">
-            <a:avLst/>
-          </a:prstGeom>
-          <a:noFill/>
-        </p:spPr>
-        <p:txBody>
-          <a:bodyPr wrap="square" rtlCol="0">
-            <a:spAutoFit/>
-          </a:bodyPr>
-          <a:lstStyle/>
-          <a:p>
-            <a:r>
-              <a:rPr lang="es-ES" sz="1200" dirty="0">
-                <a:latin typeface="Consolas" panose="020B0609020204030204" pitchFamily="49" charset="0"/>
-              </a:rPr>
-              <a:t>Comprobamos que las categorías extremas se pueden asimilar a las contiguas sin apenas variar los resultados. </a:t>
-            </a:r>
-          </a:p>
-          <a:p>
-            <a:r>
-              <a:rPr lang="es-ES" sz="1200" dirty="0">
-                <a:latin typeface="Consolas" panose="020B0609020204030204" pitchFamily="49" charset="0"/>
-              </a:rPr>
-              <a:t>Por lo que centramos el análisis de la relación entre las variables en </a:t>
-            </a:r>
-            <a:r>
-              <a:rPr lang="es-ES" sz="1200" b="1" dirty="0">
-                <a:latin typeface="Consolas" panose="020B0609020204030204" pitchFamily="49" charset="0"/>
-              </a:rPr>
-              <a:t>4 categorías de balance</a:t>
-            </a:r>
-          </a:p>
-        </p:txBody>
-      </p:sp>
-      <p:pic>
-        <p:nvPicPr>
-          <p:cNvPr id="24" name="Imatge 23">
-            <a:extLst>
-              <a:ext uri="{FF2B5EF4-FFF2-40B4-BE49-F238E27FC236}">
-                <a16:creationId xmlns:a16="http://schemas.microsoft.com/office/drawing/2014/main" id="{72FF37ED-0149-70CD-3BCC-0228B02B5574}"/>
-              </a:ext>
-            </a:extLst>
-          </p:cNvPr>
-          <p:cNvPicPr>
-            <a:picLocks noChangeAspect="1"/>
-          </p:cNvPicPr>
-          <p:nvPr/>
-        </p:nvPicPr>
-        <p:blipFill>
-          <a:blip r:embed="rId3"/>
-          <a:stretch>
-            <a:fillRect/>
-          </a:stretch>
-        </p:blipFill>
-        <p:spPr>
-          <a:xfrm>
-            <a:off x="8836558" y="4359198"/>
-            <a:ext cx="2618379" cy="1670085"/>
-          </a:xfrm>
-          <a:prstGeom prst="rect">
-            <a:avLst/>
-          </a:prstGeom>
-        </p:spPr>
-      </p:pic>
-      <p:pic>
-        <p:nvPicPr>
-          <p:cNvPr id="8" name="Imatge 7">
-            <a:extLst>
-              <a:ext uri="{FF2B5EF4-FFF2-40B4-BE49-F238E27FC236}">
-                <a16:creationId xmlns:a16="http://schemas.microsoft.com/office/drawing/2014/main" id="{C64848F1-5659-3BDB-B275-1994106FFA7B}"/>
-              </a:ext>
-            </a:extLst>
-          </p:cNvPr>
-          <p:cNvPicPr>
-            <a:picLocks noChangeAspect="1"/>
-          </p:cNvPicPr>
-          <p:nvPr/>
-        </p:nvPicPr>
-        <p:blipFill>
-          <a:blip r:embed="rId4"/>
-          <a:stretch>
-            <a:fillRect/>
-          </a:stretch>
-        </p:blipFill>
-        <p:spPr>
-          <a:xfrm>
-            <a:off x="5810726" y="2122755"/>
-            <a:ext cx="3613405" cy="1534850"/>
-          </a:xfrm>
-          <a:prstGeom prst="rect">
-            <a:avLst/>
-          </a:prstGeom>
-        </p:spPr>
-      </p:pic>
-      <p:sp>
-        <p:nvSpPr>
-          <p:cNvPr id="10" name="QuadreDeText 9">
-            <a:extLst>
-              <a:ext uri="{FF2B5EF4-FFF2-40B4-BE49-F238E27FC236}">
-                <a16:creationId xmlns:a16="http://schemas.microsoft.com/office/drawing/2014/main" id="{AC6C6C83-5935-791F-1A75-F53D0D089D98}"/>
-              </a:ext>
-            </a:extLst>
-          </p:cNvPr>
-          <p:cNvSpPr txBox="1"/>
-          <p:nvPr/>
-        </p:nvSpPr>
-        <p:spPr>
-          <a:xfrm>
-            <a:off x="1010150" y="1396184"/>
-            <a:ext cx="4251592" cy="461665"/>
-          </a:xfrm>
-          <a:prstGeom prst="rect">
-            <a:avLst/>
-          </a:prstGeom>
-          <a:noFill/>
-        </p:spPr>
-        <p:txBody>
-          <a:bodyPr wrap="square">
-            <a:spAutoFit/>
-          </a:bodyPr>
-          <a:lstStyle/>
-          <a:p>
-            <a:r>
-              <a:rPr lang="es-ES" sz="1200" dirty="0">
-                <a:latin typeface="Consolas" panose="020B0609020204030204" pitchFamily="49" charset="0"/>
-              </a:rPr>
-              <a:t>Vemos varios </a:t>
-            </a:r>
-            <a:r>
-              <a:rPr lang="es-ES" sz="1200" dirty="0" err="1">
-                <a:latin typeface="Consolas" panose="020B0609020204030204" pitchFamily="49" charset="0"/>
-              </a:rPr>
-              <a:t>outliers</a:t>
-            </a:r>
-            <a:r>
-              <a:rPr lang="es-ES" sz="1200" dirty="0">
-                <a:latin typeface="Consolas" panose="020B0609020204030204" pitchFamily="49" charset="0"/>
-              </a:rPr>
-              <a:t> en la parte más alta de la distribución</a:t>
-            </a:r>
-          </a:p>
-        </p:txBody>
-      </p:sp>
-      <p:pic>
-        <p:nvPicPr>
-          <p:cNvPr id="16" name="Imatge 15">
-            <a:extLst>
-              <a:ext uri="{FF2B5EF4-FFF2-40B4-BE49-F238E27FC236}">
-                <a16:creationId xmlns:a16="http://schemas.microsoft.com/office/drawing/2014/main" id="{DC99CD86-D672-50B1-C33D-8F454C2656B7}"/>
-              </a:ext>
-            </a:extLst>
-          </p:cNvPr>
-          <p:cNvPicPr>
-            <a:picLocks noChangeAspect="1"/>
-          </p:cNvPicPr>
-          <p:nvPr/>
-        </p:nvPicPr>
-        <p:blipFill>
-          <a:blip r:embed="rId5"/>
-          <a:stretch>
-            <a:fillRect/>
-          </a:stretch>
-        </p:blipFill>
-        <p:spPr>
-          <a:xfrm>
-            <a:off x="918949" y="4407195"/>
-            <a:ext cx="2387129" cy="1565053"/>
-          </a:xfrm>
-          <a:prstGeom prst="rect">
-            <a:avLst/>
-          </a:prstGeom>
-        </p:spPr>
-      </p:pic>
-      <p:pic>
-        <p:nvPicPr>
-          <p:cNvPr id="22" name="Imatge 21">
-            <a:extLst>
-              <a:ext uri="{FF2B5EF4-FFF2-40B4-BE49-F238E27FC236}">
-                <a16:creationId xmlns:a16="http://schemas.microsoft.com/office/drawing/2014/main" id="{067C5FA6-11C1-0D39-EF31-DA3A1249851C}"/>
-              </a:ext>
-            </a:extLst>
-          </p:cNvPr>
-          <p:cNvPicPr>
-            <a:picLocks noChangeAspect="1"/>
-          </p:cNvPicPr>
-          <p:nvPr/>
-        </p:nvPicPr>
-        <p:blipFill>
-          <a:blip r:embed="rId6"/>
-          <a:stretch>
-            <a:fillRect/>
-          </a:stretch>
-        </p:blipFill>
-        <p:spPr>
-          <a:xfrm>
-            <a:off x="5261742" y="4449272"/>
-            <a:ext cx="2387129" cy="1580011"/>
-          </a:xfrm>
-          <a:prstGeom prst="rect">
-            <a:avLst/>
-          </a:prstGeom>
-        </p:spPr>
-      </p:pic>
-      <p:sp>
-        <p:nvSpPr>
-          <p:cNvPr id="23" name="QuadreDeText 22">
-            <a:extLst>
-              <a:ext uri="{FF2B5EF4-FFF2-40B4-BE49-F238E27FC236}">
-                <a16:creationId xmlns:a16="http://schemas.microsoft.com/office/drawing/2014/main" id="{80E7905E-4DA8-C6BC-4E88-46B3D833B4E7}"/>
-              </a:ext>
-            </a:extLst>
-          </p:cNvPr>
-          <p:cNvSpPr txBox="1"/>
-          <p:nvPr/>
-        </p:nvSpPr>
-        <p:spPr>
-          <a:xfrm>
-            <a:off x="875610" y="3907863"/>
-            <a:ext cx="8772264" cy="307777"/>
-          </a:xfrm>
-          <a:prstGeom prst="rect">
-            <a:avLst/>
-          </a:prstGeom>
-          <a:noFill/>
-        </p:spPr>
-        <p:txBody>
-          <a:bodyPr wrap="square" rtlCol="0">
-            <a:spAutoFit/>
-          </a:bodyPr>
-          <a:lstStyle/>
-          <a:p>
-            <a:r>
-              <a:rPr lang="es-ES" sz="1400" b="1" dirty="0">
-                <a:latin typeface="Consolas" panose="020B0609020204030204" pitchFamily="49" charset="0"/>
-              </a:rPr>
-              <a:t>2.2</a:t>
-            </a:r>
-            <a:r>
-              <a:rPr lang="es-ES" sz="1200" dirty="0">
-                <a:latin typeface="Consolas" panose="020B0609020204030204" pitchFamily="49" charset="0"/>
-              </a:rPr>
-              <a:t> Decidimos separar ‘balance’ en 6 categorías para analizar su relación con ‘incumplimiento’</a:t>
-            </a:r>
-          </a:p>
-        </p:txBody>
-      </p:sp>
-      <p:sp>
-        <p:nvSpPr>
-          <p:cNvPr id="25" name="Fletxa: dreta 24">
-            <a:extLst>
-              <a:ext uri="{FF2B5EF4-FFF2-40B4-BE49-F238E27FC236}">
-                <a16:creationId xmlns:a16="http://schemas.microsoft.com/office/drawing/2014/main" id="{D40E0B8E-6923-446D-B915-0B13BC289604}"/>
-              </a:ext>
-            </a:extLst>
-          </p:cNvPr>
-          <p:cNvSpPr/>
-          <p:nvPr/>
-        </p:nvSpPr>
-        <p:spPr>
-          <a:xfrm>
-            <a:off x="3773978" y="5020887"/>
-            <a:ext cx="997530" cy="307777"/>
-          </a:xfrm>
-          <a:prstGeom prst="rightArrow">
-            <a:avLst/>
-          </a:prstGeom>
           <a:solidFill>
-            <a:schemeClr val="tx2">
-              <a:lumMod val="25000"/>
-              <a:lumOff val="75000"/>
+            <a:schemeClr val="bg1">
+              <a:lumMod val="85000"/>
             </a:schemeClr>
           </a:solidFill>
+          <a:ln>
+            <a:solidFill>
+              <a:schemeClr val="bg1"/>
+            </a:solidFill>
+          </a:ln>
         </p:spPr>
         <p:style>
           <a:lnRef idx="2">
@@ -4417,10 +4080,10 @@
       </p:sp>
       <p:sp>
         <p:nvSpPr>
-          <p:cNvPr id="26" name="És igual a 25">
-            <a:extLst>
-              <a:ext uri="{FF2B5EF4-FFF2-40B4-BE49-F238E27FC236}">
-                <a16:creationId xmlns:a16="http://schemas.microsoft.com/office/drawing/2014/main" id="{B72FB363-EA40-AF46-1CEB-4A88905F9585}"/>
+          <p:cNvPr id="2" name="Rectangle 1">
+            <a:extLst>
+              <a:ext uri="{FF2B5EF4-FFF2-40B4-BE49-F238E27FC236}">
+                <a16:creationId xmlns:a16="http://schemas.microsoft.com/office/drawing/2014/main" id="{419D26B9-1EF0-1080-C970-EF819DD300A8}"/>
               </a:ext>
             </a:extLst>
           </p:cNvPr>
@@ -4429,18 +4092,22 @@
         </p:nvSpPr>
         <p:spPr>
           <a:xfrm>
-            <a:off x="7996844" y="5020887"/>
-            <a:ext cx="548640" cy="441323"/>
-          </a:xfrm>
-          <a:prstGeom prst="mathEqual">
+            <a:off x="9726725" y="2267569"/>
+            <a:ext cx="2045494" cy="1143846"/>
+          </a:xfrm>
+          <a:prstGeom prst="rect">
             <a:avLst/>
           </a:prstGeom>
           <a:solidFill>
-            <a:schemeClr val="tx2">
-              <a:lumMod val="25000"/>
-              <a:lumOff val="75000"/>
+            <a:schemeClr val="bg1">
+              <a:lumMod val="85000"/>
             </a:schemeClr>
           </a:solidFill>
+          <a:ln>
+            <a:solidFill>
+              <a:schemeClr val="bg1"/>
+            </a:solidFill>
+          </a:ln>
         </p:spPr>
         <p:style>
           <a:lnRef idx="2">
@@ -4463,6 +4130,591 @@
           <a:lstStyle/>
           <a:p>
             <a:pPr algn="ctr"/>
+            <a:endParaRPr lang="ca-ES"/>
+          </a:p>
+        </p:txBody>
+      </p:sp>
+      <p:sp>
+        <p:nvSpPr>
+          <p:cNvPr id="4" name="QuadreDeText 3">
+            <a:extLst>
+              <a:ext uri="{FF2B5EF4-FFF2-40B4-BE49-F238E27FC236}">
+                <a16:creationId xmlns:a16="http://schemas.microsoft.com/office/drawing/2014/main" id="{E36E55D7-03BF-C8CA-C726-A10A8007E6B2}"/>
+              </a:ext>
+            </a:extLst>
+          </p:cNvPr>
+          <p:cNvSpPr txBox="1"/>
+          <p:nvPr/>
+        </p:nvSpPr>
+        <p:spPr>
+          <a:xfrm>
+            <a:off x="1280159" y="405537"/>
+            <a:ext cx="9576263" cy="677108"/>
+          </a:xfrm>
+          <a:prstGeom prst="rect">
+            <a:avLst/>
+          </a:prstGeom>
+          <a:noFill/>
+        </p:spPr>
+        <p:txBody>
+          <a:bodyPr wrap="square">
+            <a:spAutoFit/>
+          </a:bodyPr>
+          <a:lstStyle/>
+          <a:p>
+            <a:pPr algn="ctr"/>
+            <a:r>
+              <a:rPr lang="es-ES" sz="2400" b="1" dirty="0">
+                <a:solidFill>
+                  <a:srgbClr val="569CD6"/>
+                </a:solidFill>
+                <a:effectLst/>
+                <a:latin typeface="Consolas" panose="020B0609020204030204" pitchFamily="49" charset="0"/>
+              </a:rPr>
+              <a:t>2. TRATAMIENTO DE OUTLIERS</a:t>
+            </a:r>
+          </a:p>
+          <a:p>
+            <a:pPr algn="ctr"/>
+            <a:r>
+              <a:rPr lang="es-ES" sz="1400" b="1" dirty="0">
+                <a:solidFill>
+                  <a:srgbClr val="569CD6"/>
+                </a:solidFill>
+                <a:latin typeface="Consolas" panose="020B0609020204030204" pitchFamily="49" charset="0"/>
+              </a:rPr>
+              <a:t>Detectamos un 9,45% </a:t>
+            </a:r>
+            <a:r>
+              <a:rPr lang="es-ES" sz="1400" b="1" dirty="0" err="1">
+                <a:solidFill>
+                  <a:srgbClr val="569CD6"/>
+                </a:solidFill>
+                <a:latin typeface="Consolas" panose="020B0609020204030204" pitchFamily="49" charset="0"/>
+              </a:rPr>
+              <a:t>outliers</a:t>
+            </a:r>
+            <a:r>
+              <a:rPr lang="es-ES" sz="1400" b="1" dirty="0">
+                <a:solidFill>
+                  <a:srgbClr val="569CD6"/>
+                </a:solidFill>
+                <a:latin typeface="Consolas" panose="020B0609020204030204" pitchFamily="49" charset="0"/>
+              </a:rPr>
+              <a:t> en ‘balance’ y diseñamos la estrategia para su tratamiento.</a:t>
+            </a:r>
+          </a:p>
+        </p:txBody>
+      </p:sp>
+      <p:pic>
+        <p:nvPicPr>
+          <p:cNvPr id="11" name="Imatge 10">
+            <a:extLst>
+              <a:ext uri="{FF2B5EF4-FFF2-40B4-BE49-F238E27FC236}">
+                <a16:creationId xmlns:a16="http://schemas.microsoft.com/office/drawing/2014/main" id="{9B30B857-8B87-B54B-B91D-9E7F77DC9C21}"/>
+              </a:ext>
+            </a:extLst>
+          </p:cNvPr>
+          <p:cNvPicPr>
+            <a:picLocks noChangeAspect="1"/>
+          </p:cNvPicPr>
+          <p:nvPr/>
+        </p:nvPicPr>
+        <p:blipFill>
+          <a:blip r:embed="rId2"/>
+          <a:stretch>
+            <a:fillRect/>
+          </a:stretch>
+        </p:blipFill>
+        <p:spPr>
+          <a:xfrm>
+            <a:off x="918949" y="1869915"/>
+            <a:ext cx="4617284" cy="1921132"/>
+          </a:xfrm>
+          <a:prstGeom prst="rect">
+            <a:avLst/>
+          </a:prstGeom>
+        </p:spPr>
+      </p:pic>
+      <p:sp>
+        <p:nvSpPr>
+          <p:cNvPr id="5" name="QuadreDeText 4">
+            <a:extLst>
+              <a:ext uri="{FF2B5EF4-FFF2-40B4-BE49-F238E27FC236}">
+                <a16:creationId xmlns:a16="http://schemas.microsoft.com/office/drawing/2014/main" id="{203CA059-EFA5-91E5-1B5A-EB10B6F4E1B2}"/>
+              </a:ext>
+            </a:extLst>
+          </p:cNvPr>
+          <p:cNvSpPr txBox="1"/>
+          <p:nvPr/>
+        </p:nvSpPr>
+        <p:spPr>
+          <a:xfrm>
+            <a:off x="5974080" y="1349870"/>
+            <a:ext cx="6217920" cy="677108"/>
+          </a:xfrm>
+          <a:prstGeom prst="rect">
+            <a:avLst/>
+          </a:prstGeom>
+          <a:noFill/>
+        </p:spPr>
+        <p:txBody>
+          <a:bodyPr wrap="square" rtlCol="0">
+            <a:spAutoFit/>
+          </a:bodyPr>
+          <a:lstStyle/>
+          <a:p>
+            <a:r>
+              <a:rPr lang="es-ES" sz="1400" b="1" dirty="0">
+                <a:latin typeface="Consolas" panose="020B0609020204030204" pitchFamily="49" charset="0"/>
+              </a:rPr>
+              <a:t>1</a:t>
+            </a:r>
+            <a:r>
+              <a:rPr lang="es-ES" sz="1200" dirty="0">
+                <a:latin typeface="Consolas" panose="020B0609020204030204" pitchFamily="49" charset="0"/>
+              </a:rPr>
+              <a:t> En una primera aproximación realizamos la transformación logarítmica para tratar los </a:t>
+            </a:r>
+            <a:r>
+              <a:rPr lang="es-ES" sz="1200" dirty="0" err="1">
+                <a:latin typeface="Consolas" panose="020B0609020204030204" pitchFamily="49" charset="0"/>
+              </a:rPr>
+              <a:t>outliers</a:t>
+            </a:r>
+            <a:r>
+              <a:rPr lang="es-ES" sz="1200" dirty="0">
+                <a:latin typeface="Consolas" panose="020B0609020204030204" pitchFamily="49" charset="0"/>
+              </a:rPr>
+              <a:t> ya que es la más indicada para esta distribución.  </a:t>
+            </a:r>
+          </a:p>
+        </p:txBody>
+      </p:sp>
+      <p:sp>
+        <p:nvSpPr>
+          <p:cNvPr id="17" name="QuadreDeText 16">
+            <a:extLst>
+              <a:ext uri="{FF2B5EF4-FFF2-40B4-BE49-F238E27FC236}">
+                <a16:creationId xmlns:a16="http://schemas.microsoft.com/office/drawing/2014/main" id="{C6D30F8E-EC71-1CBB-0B23-D331F534E8A7}"/>
+              </a:ext>
+            </a:extLst>
+          </p:cNvPr>
+          <p:cNvSpPr txBox="1"/>
+          <p:nvPr/>
+        </p:nvSpPr>
+        <p:spPr>
+          <a:xfrm>
+            <a:off x="9833675" y="2351782"/>
+            <a:ext cx="2045494" cy="892552"/>
+          </a:xfrm>
+          <a:prstGeom prst="rect">
+            <a:avLst/>
+          </a:prstGeom>
+          <a:noFill/>
+        </p:spPr>
+        <p:txBody>
+          <a:bodyPr wrap="square">
+            <a:spAutoFit/>
+          </a:bodyPr>
+          <a:lstStyle/>
+          <a:p>
+            <a:r>
+              <a:rPr lang="es-ES" sz="1300" dirty="0">
+                <a:latin typeface="Consolas" panose="020B0609020204030204" pitchFamily="49" charset="0"/>
+              </a:rPr>
+              <a:t>Constatamos que el tratamiento </a:t>
+            </a:r>
+            <a:r>
+              <a:rPr lang="es-ES" sz="1300" b="1" dirty="0">
+                <a:latin typeface="Consolas" panose="020B0609020204030204" pitchFamily="49" charset="0"/>
+              </a:rPr>
+              <a:t>no altera</a:t>
+            </a:r>
+            <a:r>
+              <a:rPr lang="es-ES" sz="1300" dirty="0">
+                <a:latin typeface="Consolas" panose="020B0609020204030204" pitchFamily="49" charset="0"/>
+              </a:rPr>
+              <a:t> apenas la </a:t>
+            </a:r>
+            <a:r>
+              <a:rPr lang="es-ES" sz="1300" b="1" dirty="0">
+                <a:latin typeface="Consolas" panose="020B0609020204030204" pitchFamily="49" charset="0"/>
+              </a:rPr>
+              <a:t>distribución</a:t>
+            </a:r>
+            <a:r>
+              <a:rPr lang="es-ES" sz="1300" dirty="0">
+                <a:latin typeface="Consolas" panose="020B0609020204030204" pitchFamily="49" charset="0"/>
+              </a:rPr>
+              <a:t>.</a:t>
+            </a:r>
+          </a:p>
+        </p:txBody>
+      </p:sp>
+      <p:sp>
+        <p:nvSpPr>
+          <p:cNvPr id="19" name="QuadreDeText 18">
+            <a:extLst>
+              <a:ext uri="{FF2B5EF4-FFF2-40B4-BE49-F238E27FC236}">
+                <a16:creationId xmlns:a16="http://schemas.microsoft.com/office/drawing/2014/main" id="{A03ADF96-6ED5-755A-03A3-15FB9578CD92}"/>
+              </a:ext>
+            </a:extLst>
+          </p:cNvPr>
+          <p:cNvSpPr txBox="1"/>
+          <p:nvPr/>
+        </p:nvSpPr>
+        <p:spPr>
+          <a:xfrm>
+            <a:off x="918949" y="6163803"/>
+            <a:ext cx="10535988" cy="492443"/>
+          </a:xfrm>
+          <a:prstGeom prst="rect">
+            <a:avLst/>
+          </a:prstGeom>
+          <a:noFill/>
+        </p:spPr>
+        <p:txBody>
+          <a:bodyPr wrap="square" rtlCol="0">
+            <a:spAutoFit/>
+          </a:bodyPr>
+          <a:lstStyle/>
+          <a:p>
+            <a:r>
+              <a:rPr lang="es-ES" sz="1300" dirty="0">
+                <a:latin typeface="Consolas" panose="020B0609020204030204" pitchFamily="49" charset="0"/>
+              </a:rPr>
+              <a:t>Comprobamos que las categorías extremas se pueden asimilar a las contiguas sin apenas variar los resultados. </a:t>
+            </a:r>
+          </a:p>
+          <a:p>
+            <a:r>
+              <a:rPr lang="es-ES" sz="1300" dirty="0">
+                <a:latin typeface="Consolas" panose="020B0609020204030204" pitchFamily="49" charset="0"/>
+              </a:rPr>
+              <a:t>Por lo que centramos el análisis de la relación entre las variables en </a:t>
+            </a:r>
+            <a:r>
+              <a:rPr lang="es-ES" sz="1300" b="1" dirty="0">
+                <a:latin typeface="Consolas" panose="020B0609020204030204" pitchFamily="49" charset="0"/>
+              </a:rPr>
+              <a:t>4 categorías de balance</a:t>
+            </a:r>
+          </a:p>
+        </p:txBody>
+      </p:sp>
+      <p:pic>
+        <p:nvPicPr>
+          <p:cNvPr id="24" name="Imatge 23">
+            <a:extLst>
+              <a:ext uri="{FF2B5EF4-FFF2-40B4-BE49-F238E27FC236}">
+                <a16:creationId xmlns:a16="http://schemas.microsoft.com/office/drawing/2014/main" id="{72FF37ED-0149-70CD-3BCC-0228B02B5574}"/>
+              </a:ext>
+            </a:extLst>
+          </p:cNvPr>
+          <p:cNvPicPr>
+            <a:picLocks noChangeAspect="1"/>
+          </p:cNvPicPr>
+          <p:nvPr/>
+        </p:nvPicPr>
+        <p:blipFill>
+          <a:blip r:embed="rId3"/>
+          <a:stretch>
+            <a:fillRect/>
+          </a:stretch>
+        </p:blipFill>
+        <p:spPr>
+          <a:xfrm>
+            <a:off x="8836558" y="4359198"/>
+            <a:ext cx="2618379" cy="1670085"/>
+          </a:xfrm>
+          <a:prstGeom prst="rect">
+            <a:avLst/>
+          </a:prstGeom>
+        </p:spPr>
+      </p:pic>
+      <p:pic>
+        <p:nvPicPr>
+          <p:cNvPr id="8" name="Imatge 7">
+            <a:extLst>
+              <a:ext uri="{FF2B5EF4-FFF2-40B4-BE49-F238E27FC236}">
+                <a16:creationId xmlns:a16="http://schemas.microsoft.com/office/drawing/2014/main" id="{C64848F1-5659-3BDB-B275-1994106FFA7B}"/>
+              </a:ext>
+            </a:extLst>
+          </p:cNvPr>
+          <p:cNvPicPr>
+            <a:picLocks noChangeAspect="1"/>
+          </p:cNvPicPr>
+          <p:nvPr/>
+        </p:nvPicPr>
+        <p:blipFill>
+          <a:blip r:embed="rId4"/>
+          <a:stretch>
+            <a:fillRect/>
+          </a:stretch>
+        </p:blipFill>
+        <p:spPr>
+          <a:xfrm>
+            <a:off x="5878251" y="2079737"/>
+            <a:ext cx="3613405" cy="1534850"/>
+          </a:xfrm>
+          <a:prstGeom prst="rect">
+            <a:avLst/>
+          </a:prstGeom>
+        </p:spPr>
+      </p:pic>
+      <p:sp>
+        <p:nvSpPr>
+          <p:cNvPr id="10" name="QuadreDeText 9">
+            <a:extLst>
+              <a:ext uri="{FF2B5EF4-FFF2-40B4-BE49-F238E27FC236}">
+                <a16:creationId xmlns:a16="http://schemas.microsoft.com/office/drawing/2014/main" id="{AC6C6C83-5935-791F-1A75-F53D0D089D98}"/>
+              </a:ext>
+            </a:extLst>
+          </p:cNvPr>
+          <p:cNvSpPr txBox="1"/>
+          <p:nvPr/>
+        </p:nvSpPr>
+        <p:spPr>
+          <a:xfrm>
+            <a:off x="1010150" y="1396184"/>
+            <a:ext cx="4251592" cy="461665"/>
+          </a:xfrm>
+          <a:prstGeom prst="rect">
+            <a:avLst/>
+          </a:prstGeom>
+          <a:noFill/>
+        </p:spPr>
+        <p:txBody>
+          <a:bodyPr wrap="square">
+            <a:spAutoFit/>
+          </a:bodyPr>
+          <a:lstStyle/>
+          <a:p>
+            <a:r>
+              <a:rPr lang="es-ES" sz="1200" dirty="0">
+                <a:latin typeface="Consolas" panose="020B0609020204030204" pitchFamily="49" charset="0"/>
+              </a:rPr>
+              <a:t>Vemos varios </a:t>
+            </a:r>
+            <a:r>
+              <a:rPr lang="es-ES" sz="1200" dirty="0" err="1">
+                <a:latin typeface="Consolas" panose="020B0609020204030204" pitchFamily="49" charset="0"/>
+              </a:rPr>
+              <a:t>outliers</a:t>
+            </a:r>
+            <a:r>
+              <a:rPr lang="es-ES" sz="1200" dirty="0">
+                <a:latin typeface="Consolas" panose="020B0609020204030204" pitchFamily="49" charset="0"/>
+              </a:rPr>
+              <a:t> en la parte más alta de la distribución</a:t>
+            </a:r>
+          </a:p>
+        </p:txBody>
+      </p:sp>
+      <p:pic>
+        <p:nvPicPr>
+          <p:cNvPr id="16" name="Imatge 15">
+            <a:extLst>
+              <a:ext uri="{FF2B5EF4-FFF2-40B4-BE49-F238E27FC236}">
+                <a16:creationId xmlns:a16="http://schemas.microsoft.com/office/drawing/2014/main" id="{DC99CD86-D672-50B1-C33D-8F454C2656B7}"/>
+              </a:ext>
+            </a:extLst>
+          </p:cNvPr>
+          <p:cNvPicPr>
+            <a:picLocks noChangeAspect="1"/>
+          </p:cNvPicPr>
+          <p:nvPr/>
+        </p:nvPicPr>
+        <p:blipFill>
+          <a:blip r:embed="rId5"/>
+          <a:stretch>
+            <a:fillRect/>
+          </a:stretch>
+        </p:blipFill>
+        <p:spPr>
+          <a:xfrm>
+            <a:off x="918949" y="4407195"/>
+            <a:ext cx="2387129" cy="1565053"/>
+          </a:xfrm>
+          <a:prstGeom prst="rect">
+            <a:avLst/>
+          </a:prstGeom>
+        </p:spPr>
+      </p:pic>
+      <p:pic>
+        <p:nvPicPr>
+          <p:cNvPr id="22" name="Imatge 21">
+            <a:extLst>
+              <a:ext uri="{FF2B5EF4-FFF2-40B4-BE49-F238E27FC236}">
+                <a16:creationId xmlns:a16="http://schemas.microsoft.com/office/drawing/2014/main" id="{067C5FA6-11C1-0D39-EF31-DA3A1249851C}"/>
+              </a:ext>
+            </a:extLst>
+          </p:cNvPr>
+          <p:cNvPicPr>
+            <a:picLocks noChangeAspect="1"/>
+          </p:cNvPicPr>
+          <p:nvPr/>
+        </p:nvPicPr>
+        <p:blipFill>
+          <a:blip r:embed="rId6"/>
+          <a:stretch>
+            <a:fillRect/>
+          </a:stretch>
+        </p:blipFill>
+        <p:spPr>
+          <a:xfrm>
+            <a:off x="5261742" y="4449272"/>
+            <a:ext cx="2387129" cy="1580011"/>
+          </a:xfrm>
+          <a:prstGeom prst="rect">
+            <a:avLst/>
+          </a:prstGeom>
+        </p:spPr>
+      </p:pic>
+      <p:sp>
+        <p:nvSpPr>
+          <p:cNvPr id="23" name="QuadreDeText 22">
+            <a:extLst>
+              <a:ext uri="{FF2B5EF4-FFF2-40B4-BE49-F238E27FC236}">
+                <a16:creationId xmlns:a16="http://schemas.microsoft.com/office/drawing/2014/main" id="{80E7905E-4DA8-C6BC-4E88-46B3D833B4E7}"/>
+              </a:ext>
+            </a:extLst>
+          </p:cNvPr>
+          <p:cNvSpPr txBox="1"/>
+          <p:nvPr/>
+        </p:nvSpPr>
+        <p:spPr>
+          <a:xfrm>
+            <a:off x="875610" y="3907863"/>
+            <a:ext cx="8772264" cy="307777"/>
+          </a:xfrm>
+          <a:prstGeom prst="rect">
+            <a:avLst/>
+          </a:prstGeom>
+          <a:noFill/>
+        </p:spPr>
+        <p:txBody>
+          <a:bodyPr wrap="square" rtlCol="0">
+            <a:spAutoFit/>
+          </a:bodyPr>
+          <a:lstStyle/>
+          <a:p>
+            <a:r>
+              <a:rPr lang="es-ES" sz="1400" b="1" dirty="0">
+                <a:latin typeface="Consolas" panose="020B0609020204030204" pitchFamily="49" charset="0"/>
+              </a:rPr>
+              <a:t>2</a:t>
+            </a:r>
+            <a:r>
+              <a:rPr lang="es-ES" sz="1200" dirty="0">
+                <a:latin typeface="Consolas" panose="020B0609020204030204" pitchFamily="49" charset="0"/>
+              </a:rPr>
+              <a:t> Decidimos separar ‘balance’ en 6 categorías para analizar su relación con ‘incumplimiento’</a:t>
+            </a:r>
+          </a:p>
+        </p:txBody>
+      </p:sp>
+      <p:sp>
+        <p:nvSpPr>
+          <p:cNvPr id="25" name="Fletxa: dreta 24">
+            <a:extLst>
+              <a:ext uri="{FF2B5EF4-FFF2-40B4-BE49-F238E27FC236}">
+                <a16:creationId xmlns:a16="http://schemas.microsoft.com/office/drawing/2014/main" id="{D40E0B8E-6923-446D-B915-0B13BC289604}"/>
+              </a:ext>
+            </a:extLst>
+          </p:cNvPr>
+          <p:cNvSpPr/>
+          <p:nvPr/>
+        </p:nvSpPr>
+        <p:spPr>
+          <a:xfrm>
+            <a:off x="3773978" y="5020887"/>
+            <a:ext cx="997530" cy="307777"/>
+          </a:xfrm>
+          <a:prstGeom prst="rightArrow">
+            <a:avLst/>
+          </a:prstGeom>
+          <a:solidFill>
+            <a:schemeClr val="tx2">
+              <a:lumMod val="25000"/>
+              <a:lumOff val="75000"/>
+            </a:schemeClr>
+          </a:solidFill>
+        </p:spPr>
+        <p:style>
+          <a:lnRef idx="2">
+            <a:schemeClr val="accent1">
+              <a:shade val="15000"/>
+            </a:schemeClr>
+          </a:lnRef>
+          <a:fillRef idx="1">
+            <a:schemeClr val="accent1"/>
+          </a:fillRef>
+          <a:effectRef idx="0">
+            <a:schemeClr val="accent1"/>
+          </a:effectRef>
+          <a:fontRef idx="minor">
+            <a:schemeClr val="lt1"/>
+          </a:fontRef>
+        </p:style>
+        <p:txBody>
+          <a:bodyPr rtlCol="0" anchor="ctr"/>
+          <a:lstStyle/>
+          <a:p>
+            <a:pPr algn="ctr"/>
+            <a:endParaRPr lang="ca-ES"/>
+          </a:p>
+        </p:txBody>
+      </p:sp>
+      <p:sp>
+        <p:nvSpPr>
+          <p:cNvPr id="26" name="És igual a 25">
+            <a:extLst>
+              <a:ext uri="{FF2B5EF4-FFF2-40B4-BE49-F238E27FC236}">
+                <a16:creationId xmlns:a16="http://schemas.microsoft.com/office/drawing/2014/main" id="{B72FB363-EA40-AF46-1CEB-4A88905F9585}"/>
+              </a:ext>
+            </a:extLst>
+          </p:cNvPr>
+          <p:cNvSpPr/>
+          <p:nvPr/>
+        </p:nvSpPr>
+        <p:spPr>
+          <a:xfrm>
+            <a:off x="7996844" y="5020887"/>
+            <a:ext cx="548640" cy="441323"/>
+          </a:xfrm>
+          <a:prstGeom prst="mathEqual">
+            <a:avLst/>
+          </a:prstGeom>
+          <a:solidFill>
+            <a:schemeClr val="tx2">
+              <a:lumMod val="25000"/>
+              <a:lumOff val="75000"/>
+            </a:schemeClr>
+          </a:solidFill>
+        </p:spPr>
+        <p:style>
+          <a:lnRef idx="2">
+            <a:schemeClr val="accent1">
+              <a:shade val="15000"/>
+            </a:schemeClr>
+          </a:lnRef>
+          <a:fillRef idx="1">
+            <a:schemeClr val="accent1"/>
+          </a:fillRef>
+          <a:effectRef idx="0">
+            <a:schemeClr val="accent1"/>
+          </a:effectRef>
+          <a:fontRef idx="minor">
+            <a:schemeClr val="lt1"/>
+          </a:fontRef>
+        </p:style>
+        <p:txBody>
+          <a:bodyPr rtlCol="0" anchor="ctr"/>
+          <a:lstStyle/>
+          <a:p>
+            <a:pPr algn="ctr"/>
             <a:endParaRPr lang="ca-ES">
               <a:solidFill>
                 <a:schemeClr val="tx1"/>
@@ -4471,6 +4723,36 @@
           </a:p>
         </p:txBody>
       </p:sp>
+      <p:pic>
+        <p:nvPicPr>
+          <p:cNvPr id="7" name="Imatge 6">
+            <a:extLst>
+              <a:ext uri="{FF2B5EF4-FFF2-40B4-BE49-F238E27FC236}">
+                <a16:creationId xmlns:a16="http://schemas.microsoft.com/office/drawing/2014/main" id="{A45B7F3A-AA6F-A378-4D9C-BEC6D0FB6DA2}"/>
+              </a:ext>
+            </a:extLst>
+          </p:cNvPr>
+          <p:cNvPicPr>
+            <a:picLocks noChangeAspect="1"/>
+          </p:cNvPicPr>
+          <p:nvPr/>
+        </p:nvPicPr>
+        <p:blipFill>
+          <a:blip r:embed="rId7"/>
+          <a:stretch>
+            <a:fillRect/>
+          </a:stretch>
+        </p:blipFill>
+        <p:spPr>
+          <a:xfrm>
+            <a:off x="6769431" y="2396200"/>
+            <a:ext cx="913084" cy="901924"/>
+          </a:xfrm>
+          <a:prstGeom prst="rect">
+            <a:avLst/>
+          </a:prstGeom>
+        </p:spPr>
+      </p:pic>
     </p:spTree>
     <p:extLst>
       <p:ext uri="{BB962C8B-B14F-4D97-AF65-F5344CB8AC3E}">
@@ -4509,6 +4791,62 @@
       </p:grpSpPr>
       <p:sp>
         <p:nvSpPr>
+          <p:cNvPr id="13" name="Rectangle 12">
+            <a:extLst>
+              <a:ext uri="{FF2B5EF4-FFF2-40B4-BE49-F238E27FC236}">
+                <a16:creationId xmlns:a16="http://schemas.microsoft.com/office/drawing/2014/main" id="{604A98F6-1348-E076-6C38-403C2DFDF9C8}"/>
+              </a:ext>
+            </a:extLst>
+          </p:cNvPr>
+          <p:cNvSpPr/>
+          <p:nvPr/>
+        </p:nvSpPr>
+        <p:spPr>
+          <a:xfrm>
+            <a:off x="761939" y="5906669"/>
+            <a:ext cx="11128081" cy="794083"/>
+          </a:xfrm>
+          <a:prstGeom prst="rect">
+            <a:avLst/>
+          </a:prstGeom>
+          <a:solidFill>
+            <a:schemeClr val="bg1">
+              <a:lumMod val="85000"/>
+            </a:schemeClr>
+          </a:solidFill>
+          <a:ln>
+            <a:solidFill>
+              <a:schemeClr val="bg1"/>
+            </a:solidFill>
+          </a:ln>
+        </p:spPr>
+        <p:style>
+          <a:lnRef idx="2">
+            <a:schemeClr val="accent1">
+              <a:shade val="15000"/>
+            </a:schemeClr>
+          </a:lnRef>
+          <a:fillRef idx="1">
+            <a:schemeClr val="accent1"/>
+          </a:fillRef>
+          <a:effectRef idx="0">
+            <a:schemeClr val="accent1"/>
+          </a:effectRef>
+          <a:fontRef idx="minor">
+            <a:schemeClr val="lt1"/>
+          </a:fontRef>
+        </p:style>
+        <p:txBody>
+          <a:bodyPr rtlCol="0" anchor="ctr"/>
+          <a:lstStyle/>
+          <a:p>
+            <a:pPr algn="ctr"/>
+            <a:endParaRPr lang="ca-ES" dirty="0"/>
+          </a:p>
+        </p:txBody>
+      </p:sp>
+      <p:sp>
+        <p:nvSpPr>
           <p:cNvPr id="2" name="QuadreDeText 1">
             <a:extLst>
               <a:ext uri="{FF2B5EF4-FFF2-40B4-BE49-F238E27FC236}">
@@ -4521,7 +4859,7 @@
         </p:nvSpPr>
         <p:spPr>
           <a:xfrm>
-            <a:off x="1280159" y="405537"/>
+            <a:off x="1254990" y="400647"/>
             <a:ext cx="9576263" cy="677108"/>
           </a:xfrm>
           <a:prstGeom prst="rect">
@@ -4599,8 +4937,8 @@
         </p:blipFill>
         <p:spPr>
           <a:xfrm>
-            <a:off x="513744" y="1472218"/>
-            <a:ext cx="5185608" cy="3432290"/>
+            <a:off x="1036320" y="1797731"/>
+            <a:ext cx="3555975" cy="2353656"/>
           </a:xfrm>
           <a:prstGeom prst="rect">
             <a:avLst/>
@@ -4629,8 +4967,8 @@
         </p:blipFill>
         <p:spPr>
           <a:xfrm>
-            <a:off x="6359645" y="1498898"/>
-            <a:ext cx="4796035" cy="3337592"/>
+            <a:off x="6605829" y="1797731"/>
+            <a:ext cx="3555975" cy="2474626"/>
           </a:xfrm>
           <a:prstGeom prst="rect">
             <a:avLst/>
@@ -4651,8 +4989,8 @@
         </p:nvSpPr>
         <p:spPr>
           <a:xfrm>
-            <a:off x="1280159" y="4975135"/>
-            <a:ext cx="9576263" cy="1200329"/>
+            <a:off x="814191" y="6031180"/>
+            <a:ext cx="11128081" cy="492443"/>
           </a:xfrm>
           <a:prstGeom prst="rect">
             <a:avLst/>
@@ -4666,25 +5004,351 @@
           <a:lstStyle/>
           <a:p>
             <a:r>
-              <a:rPr lang="es-ES" b="1" dirty="0">
+              <a:rPr lang="es-ES" sz="1300" b="1" dirty="0">
                 <a:effectLst/>
                 <a:latin typeface="Consolas" panose="020B0609020204030204" pitchFamily="49" charset="0"/>
               </a:rPr>
-              <a:t>LA RELACIÓN ENTRE LAS DOS VARIABLES ES MUY CLARA. HAY UNA RELACIÓN INVERSA ENTRE EL BALANCE Y LA TASA DE INCUMPLIMIENTO DE CRÉDITO.</a:t>
-            </a:r>
-            <a:endParaRPr lang="es-ES" b="0" dirty="0">
+              <a:t>LA RELACIÓN ENTRE LAS DOS VARIABLES ES MUY CLARA. HAY UNA RELACIÓN INVERSA ENTRE EL BALANCE Y LA TASA DE INCUMPLIMIENTO DE CRÉDITO. </a:t>
+            </a:r>
+            <a:r>
+              <a:rPr lang="es-ES" sz="1300" b="0" dirty="0">
+                <a:effectLst/>
+                <a:latin typeface="Consolas" panose="020B0609020204030204" pitchFamily="49" charset="0"/>
+              </a:rPr>
+              <a:t>Cuanto menor es el balance mucho mayor es la tasa de incumplimiento de crédito.</a:t>
+            </a:r>
+          </a:p>
+        </p:txBody>
+      </p:sp>
+      <p:sp>
+        <p:nvSpPr>
+          <p:cNvPr id="5" name="QuadreDeText 4">
+            <a:extLst>
+              <a:ext uri="{FF2B5EF4-FFF2-40B4-BE49-F238E27FC236}">
+                <a16:creationId xmlns:a16="http://schemas.microsoft.com/office/drawing/2014/main" id="{685827AE-ED6E-4D69-0567-FA1FC38FA232}"/>
+              </a:ext>
+            </a:extLst>
+          </p:cNvPr>
+          <p:cNvSpPr txBox="1"/>
+          <p:nvPr/>
+        </p:nvSpPr>
+        <p:spPr>
+          <a:xfrm>
+            <a:off x="725765" y="1191521"/>
+            <a:ext cx="10988405" cy="492443"/>
+          </a:xfrm>
+          <a:prstGeom prst="rect">
+            <a:avLst/>
+          </a:prstGeom>
+          <a:noFill/>
+        </p:spPr>
+        <p:txBody>
+          <a:bodyPr wrap="square">
+            <a:spAutoFit/>
+          </a:bodyPr>
+          <a:lstStyle/>
+          <a:p>
+            <a:r>
+              <a:rPr lang="es-ES" sz="1400" b="1" dirty="0">
+                <a:latin typeface="Consolas" panose="020B0609020204030204" pitchFamily="49" charset="0"/>
+              </a:rPr>
+              <a:t>1. </a:t>
+            </a:r>
+            <a:r>
+              <a:rPr lang="es-ES" sz="1200" b="1" dirty="0">
+                <a:latin typeface="Consolas" panose="020B0609020204030204" pitchFamily="49" charset="0"/>
+              </a:rPr>
+              <a:t>Comparamos</a:t>
+            </a:r>
+            <a:r>
+              <a:rPr lang="es-ES" sz="1200" dirty="0">
+                <a:latin typeface="Consolas" panose="020B0609020204030204" pitchFamily="49" charset="0"/>
+              </a:rPr>
+              <a:t> </a:t>
+            </a:r>
+            <a:r>
+              <a:rPr lang="es-ES" sz="1200" b="0" dirty="0">
+                <a:effectLst/>
+                <a:latin typeface="Consolas" panose="020B0609020204030204" pitchFamily="49" charset="0"/>
+              </a:rPr>
+              <a:t>las </a:t>
+            </a:r>
+            <a:r>
+              <a:rPr lang="es-ES" sz="1200" b="1" dirty="0">
+                <a:effectLst/>
+                <a:latin typeface="Consolas" panose="020B0609020204030204" pitchFamily="49" charset="0"/>
+              </a:rPr>
+              <a:t>posibilidades</a:t>
+            </a:r>
+            <a:r>
+              <a:rPr lang="es-ES" sz="1200" b="0" dirty="0">
+                <a:effectLst/>
+                <a:latin typeface="Consolas" panose="020B0609020204030204" pitchFamily="49" charset="0"/>
+              </a:rPr>
+              <a:t> de que ocurra un </a:t>
+            </a:r>
+            <a:r>
+              <a:rPr lang="es-ES" sz="1200" b="1" dirty="0">
+                <a:effectLst/>
+                <a:latin typeface="Consolas" panose="020B0609020204030204" pitchFamily="49" charset="0"/>
+              </a:rPr>
+              <a:t>incumplimiento</a:t>
+            </a:r>
+            <a:r>
+              <a:rPr lang="es-ES" sz="1200" b="0" dirty="0">
+                <a:effectLst/>
+                <a:latin typeface="Consolas" panose="020B0609020204030204" pitchFamily="49" charset="0"/>
+              </a:rPr>
+              <a:t> entre las diferentes categorías de balance</a:t>
+            </a:r>
+            <a:r>
+              <a:rPr lang="es-ES" sz="1200" dirty="0">
+                <a:latin typeface="Consolas" panose="020B0609020204030204" pitchFamily="49" charset="0"/>
+              </a:rPr>
+              <a:t> con </a:t>
+            </a:r>
+            <a:r>
+              <a:rPr lang="es-ES" sz="1200" dirty="0" err="1">
+                <a:latin typeface="Consolas" panose="020B0609020204030204" pitchFamily="49" charset="0"/>
+              </a:rPr>
+              <a:t>Odds</a:t>
+            </a:r>
+            <a:r>
+              <a:rPr lang="es-ES" sz="1200" dirty="0">
+                <a:latin typeface="Consolas" panose="020B0609020204030204" pitchFamily="49" charset="0"/>
+              </a:rPr>
+              <a:t> Ratio       primero y después con categorías automáticas sin ponderar</a:t>
+            </a:r>
+            <a:endParaRPr lang="es-ES" sz="1200" b="0" dirty="0">
               <a:effectLst/>
               <a:latin typeface="Consolas" panose="020B0609020204030204" pitchFamily="49" charset="0"/>
             </a:endParaRPr>
           </a:p>
-          <a:p>
-            <a:r>
-              <a:rPr lang="es-ES" b="0" dirty="0">
-                <a:effectLst/>
-                <a:latin typeface="Consolas" panose="020B0609020204030204" pitchFamily="49" charset="0"/>
-              </a:rPr>
-              <a:t>Cuanto menor es el balance mucho mayor es la tasa de incumplimiento de crédito.</a:t>
-            </a:r>
+        </p:txBody>
+      </p:sp>
+      <p:pic>
+        <p:nvPicPr>
+          <p:cNvPr id="7" name="Imatge 6">
+            <a:extLst>
+              <a:ext uri="{FF2B5EF4-FFF2-40B4-BE49-F238E27FC236}">
+                <a16:creationId xmlns:a16="http://schemas.microsoft.com/office/drawing/2014/main" id="{4C2BF0B0-8CF8-23FE-A5AA-9C502414D483}"/>
+              </a:ext>
+            </a:extLst>
+          </p:cNvPr>
+          <p:cNvPicPr>
+            <a:picLocks noChangeAspect="1"/>
+          </p:cNvPicPr>
+          <p:nvPr/>
+        </p:nvPicPr>
+        <p:blipFill>
+          <a:blip r:embed="rId4"/>
+          <a:stretch>
+            <a:fillRect/>
+          </a:stretch>
+        </p:blipFill>
+        <p:spPr>
+          <a:xfrm>
+            <a:off x="1254990" y="4926539"/>
+            <a:ext cx="3862133" cy="794083"/>
+          </a:xfrm>
+          <a:prstGeom prst="rect">
+            <a:avLst/>
+          </a:prstGeom>
+        </p:spPr>
+      </p:pic>
+      <p:sp>
+        <p:nvSpPr>
+          <p:cNvPr id="12" name="QuadreDeText 11">
+            <a:extLst>
+              <a:ext uri="{FF2B5EF4-FFF2-40B4-BE49-F238E27FC236}">
+                <a16:creationId xmlns:a16="http://schemas.microsoft.com/office/drawing/2014/main" id="{62A7E01A-4AD8-E49B-CF8D-2AE728B0615A}"/>
+              </a:ext>
+            </a:extLst>
+          </p:cNvPr>
+          <p:cNvSpPr txBox="1"/>
+          <p:nvPr/>
+        </p:nvSpPr>
+        <p:spPr>
+          <a:xfrm>
+            <a:off x="865442" y="4405193"/>
+            <a:ext cx="10988405" cy="307777"/>
+          </a:xfrm>
+          <a:prstGeom prst="rect">
+            <a:avLst/>
+          </a:prstGeom>
+          <a:noFill/>
+        </p:spPr>
+        <p:txBody>
+          <a:bodyPr wrap="square">
+            <a:spAutoFit/>
+          </a:bodyPr>
+          <a:lstStyle/>
+          <a:p>
+            <a:r>
+              <a:rPr lang="es-ES" sz="1400" b="1" dirty="0">
+                <a:latin typeface="Consolas" panose="020B0609020204030204" pitchFamily="49" charset="0"/>
+              </a:rPr>
+              <a:t>2.</a:t>
+            </a:r>
+            <a:r>
+              <a:rPr lang="es-ES" sz="1400" dirty="0">
+                <a:latin typeface="Consolas" panose="020B0609020204030204" pitchFamily="49" charset="0"/>
+              </a:rPr>
+              <a:t> </a:t>
+            </a:r>
+            <a:r>
+              <a:rPr lang="es-ES" sz="1200" dirty="0">
+                <a:latin typeface="Consolas" panose="020B0609020204030204" pitchFamily="49" charset="0"/>
+              </a:rPr>
+              <a:t>Realizamos una prueba </a:t>
+            </a:r>
+            <a:r>
+              <a:rPr lang="es-ES" sz="1200" b="1" dirty="0">
+                <a:latin typeface="Consolas" panose="020B0609020204030204" pitchFamily="49" charset="0"/>
+              </a:rPr>
+              <a:t>Chi-Cuadrado</a:t>
+            </a:r>
+            <a:r>
+              <a:rPr lang="es-ES" sz="1200" dirty="0">
+                <a:latin typeface="Consolas" panose="020B0609020204030204" pitchFamily="49" charset="0"/>
+              </a:rPr>
+              <a:t> para ver si, estadísticamente, </a:t>
+            </a:r>
+            <a:r>
+              <a:rPr lang="es-ES" sz="1200" b="1" dirty="0">
+                <a:latin typeface="Consolas" panose="020B0609020204030204" pitchFamily="49" charset="0"/>
+              </a:rPr>
+              <a:t>la relación</a:t>
+            </a:r>
+            <a:r>
+              <a:rPr lang="es-ES" sz="1200" dirty="0">
+                <a:latin typeface="Consolas" panose="020B0609020204030204" pitchFamily="49" charset="0"/>
+              </a:rPr>
+              <a:t> entre las dos variables </a:t>
+            </a:r>
+            <a:r>
+              <a:rPr lang="es-ES" sz="1200" b="1" dirty="0">
+                <a:latin typeface="Consolas" panose="020B0609020204030204" pitchFamily="49" charset="0"/>
+              </a:rPr>
+              <a:t>es relevante</a:t>
+            </a:r>
+            <a:endParaRPr lang="es-ES" sz="1200" b="1" dirty="0">
+              <a:effectLst/>
+              <a:latin typeface="Consolas" panose="020B0609020204030204" pitchFamily="49" charset="0"/>
+            </a:endParaRPr>
+          </a:p>
+        </p:txBody>
+      </p:sp>
+      <p:sp>
+        <p:nvSpPr>
+          <p:cNvPr id="18" name="QuadreDeText 17">
+            <a:extLst>
+              <a:ext uri="{FF2B5EF4-FFF2-40B4-BE49-F238E27FC236}">
+                <a16:creationId xmlns:a16="http://schemas.microsoft.com/office/drawing/2014/main" id="{DB1098F9-3CC8-23C0-E858-47DEAA531340}"/>
+              </a:ext>
+            </a:extLst>
+          </p:cNvPr>
+          <p:cNvSpPr txBox="1"/>
+          <p:nvPr/>
+        </p:nvSpPr>
+        <p:spPr>
+          <a:xfrm>
+            <a:off x="6096000" y="4926539"/>
+            <a:ext cx="4577862" cy="692497"/>
+          </a:xfrm>
+          <a:prstGeom prst="rect">
+            <a:avLst/>
+          </a:prstGeom>
+          <a:noFill/>
+        </p:spPr>
+        <p:txBody>
+          <a:bodyPr wrap="square" rtlCol="0">
+            <a:spAutoFit/>
+          </a:bodyPr>
+          <a:lstStyle/>
+          <a:p>
+            <a:r>
+              <a:rPr lang="es-ES" sz="1300" dirty="0">
+                <a:latin typeface="Console"/>
+              </a:rPr>
+              <a:t>Un p-valor tan bajo indica que la</a:t>
+            </a:r>
+            <a:r>
+              <a:rPr lang="es-ES" sz="1300" b="1" dirty="0">
+                <a:latin typeface="Console"/>
+              </a:rPr>
+              <a:t> relación</a:t>
+            </a:r>
+            <a:r>
+              <a:rPr lang="es-ES" sz="1300" dirty="0">
+                <a:latin typeface="Console"/>
+              </a:rPr>
+              <a:t> entre las dos variables es </a:t>
+            </a:r>
+            <a:r>
+              <a:rPr lang="es-ES" sz="1300" b="1" dirty="0">
+                <a:latin typeface="Console"/>
+              </a:rPr>
+              <a:t>estadísticamente significativa</a:t>
+            </a:r>
+            <a:r>
+              <a:rPr lang="es-ES" sz="1300" dirty="0">
+                <a:latin typeface="Console"/>
+              </a:rPr>
+              <a:t>. Es decir, es extremadamente improbable que las variables sean independientes.</a:t>
+            </a:r>
+          </a:p>
+        </p:txBody>
+      </p:sp>
+      <p:sp>
+        <p:nvSpPr>
+          <p:cNvPr id="19" name="Oval 18">
+            <a:extLst>
+              <a:ext uri="{FF2B5EF4-FFF2-40B4-BE49-F238E27FC236}">
+                <a16:creationId xmlns:a16="http://schemas.microsoft.com/office/drawing/2014/main" id="{5067F263-E263-2BB3-BB49-DD21BD31242A}"/>
+              </a:ext>
+            </a:extLst>
+          </p:cNvPr>
+          <p:cNvSpPr/>
+          <p:nvPr/>
+        </p:nvSpPr>
+        <p:spPr>
+          <a:xfrm>
+            <a:off x="3466880" y="5413292"/>
+            <a:ext cx="1582615" cy="376318"/>
+          </a:xfrm>
+          <a:prstGeom prst="ellipse">
+            <a:avLst/>
+          </a:prstGeom>
+          <a:noFill/>
+          <a:ln>
+            <a:solidFill>
+              <a:schemeClr val="accent2"/>
+            </a:solidFill>
+          </a:ln>
+        </p:spPr>
+        <p:style>
+          <a:lnRef idx="2">
+            <a:schemeClr val="accent1">
+              <a:shade val="15000"/>
+            </a:schemeClr>
+          </a:lnRef>
+          <a:fillRef idx="1">
+            <a:schemeClr val="accent1"/>
+          </a:fillRef>
+          <a:effectRef idx="0">
+            <a:schemeClr val="accent1"/>
+          </a:effectRef>
+          <a:fontRef idx="minor">
+            <a:schemeClr val="lt1"/>
+          </a:fontRef>
+        </p:style>
+        <p:txBody>
+          <a:bodyPr rtlCol="0" anchor="ctr"/>
+          <a:lstStyle/>
+          <a:p>
+            <a:pPr algn="ctr"/>
+            <a:endParaRPr lang="ca-ES"/>
           </a:p>
         </p:txBody>
       </p:sp>
@@ -4720,6 +5384,62 @@
       </p:grpSpPr>
       <p:sp>
         <p:nvSpPr>
+          <p:cNvPr id="11" name="Rectangle 10">
+            <a:extLst>
+              <a:ext uri="{FF2B5EF4-FFF2-40B4-BE49-F238E27FC236}">
+                <a16:creationId xmlns:a16="http://schemas.microsoft.com/office/drawing/2014/main" id="{6CF235A9-CD00-8029-DC45-DB340CF0B359}"/>
+              </a:ext>
+            </a:extLst>
+          </p:cNvPr>
+          <p:cNvSpPr/>
+          <p:nvPr/>
+        </p:nvSpPr>
+        <p:spPr>
+          <a:xfrm>
+            <a:off x="10352719" y="1847545"/>
+            <a:ext cx="1466959" cy="2329411"/>
+          </a:xfrm>
+          <a:prstGeom prst="rect">
+            <a:avLst/>
+          </a:prstGeom>
+          <a:solidFill>
+            <a:schemeClr val="bg1">
+              <a:lumMod val="85000"/>
+            </a:schemeClr>
+          </a:solidFill>
+          <a:ln>
+            <a:solidFill>
+              <a:schemeClr val="bg1"/>
+            </a:solidFill>
+          </a:ln>
+        </p:spPr>
+        <p:style>
+          <a:lnRef idx="2">
+            <a:schemeClr val="accent1">
+              <a:shade val="15000"/>
+            </a:schemeClr>
+          </a:lnRef>
+          <a:fillRef idx="1">
+            <a:schemeClr val="accent1"/>
+          </a:fillRef>
+          <a:effectRef idx="0">
+            <a:schemeClr val="accent1"/>
+          </a:effectRef>
+          <a:fontRef idx="minor">
+            <a:schemeClr val="lt1"/>
+          </a:fontRef>
+        </p:style>
+        <p:txBody>
+          <a:bodyPr rtlCol="0" anchor="ctr"/>
+          <a:lstStyle/>
+          <a:p>
+            <a:pPr algn="ctr"/>
+            <a:endParaRPr lang="ca-ES"/>
+          </a:p>
+        </p:txBody>
+      </p:sp>
+      <p:sp>
+        <p:nvSpPr>
           <p:cNvPr id="5" name="QuadreDeText 4">
             <a:extLst>
               <a:ext uri="{FF2B5EF4-FFF2-40B4-BE49-F238E27FC236}">
@@ -5386,6 +6106,62 @@
       </p:cxnSp>
       <p:sp>
         <p:nvSpPr>
+          <p:cNvPr id="14" name="Rectangle 13">
+            <a:extLst>
+              <a:ext uri="{FF2B5EF4-FFF2-40B4-BE49-F238E27FC236}">
+                <a16:creationId xmlns:a16="http://schemas.microsoft.com/office/drawing/2014/main" id="{D6611FC3-74F7-5FF7-8EBB-0BB6B29780F2}"/>
+              </a:ext>
+            </a:extLst>
+          </p:cNvPr>
+          <p:cNvSpPr/>
+          <p:nvPr/>
+        </p:nvSpPr>
+        <p:spPr>
+          <a:xfrm>
+            <a:off x="6893169" y="5498356"/>
+            <a:ext cx="4755734" cy="892552"/>
+          </a:xfrm>
+          <a:prstGeom prst="rect">
+            <a:avLst/>
+          </a:prstGeom>
+          <a:solidFill>
+            <a:schemeClr val="bg1">
+              <a:lumMod val="85000"/>
+            </a:schemeClr>
+          </a:solidFill>
+          <a:ln>
+            <a:solidFill>
+              <a:schemeClr val="bg1"/>
+            </a:solidFill>
+          </a:ln>
+        </p:spPr>
+        <p:style>
+          <a:lnRef idx="2">
+            <a:schemeClr val="accent1">
+              <a:shade val="15000"/>
+            </a:schemeClr>
+          </a:lnRef>
+          <a:fillRef idx="1">
+            <a:schemeClr val="accent1"/>
+          </a:fillRef>
+          <a:effectRef idx="0">
+            <a:schemeClr val="accent1"/>
+          </a:effectRef>
+          <a:fontRef idx="minor">
+            <a:schemeClr val="lt1"/>
+          </a:fontRef>
+        </p:style>
+        <p:txBody>
+          <a:bodyPr rtlCol="0" anchor="ctr"/>
+          <a:lstStyle/>
+          <a:p>
+            <a:pPr algn="ctr"/>
+            <a:endParaRPr lang="ca-ES"/>
+          </a:p>
+        </p:txBody>
+      </p:sp>
+      <p:sp>
+        <p:nvSpPr>
           <p:cNvPr id="8" name="QuadreDeText 7">
             <a:extLst>
               <a:ext uri="{FF2B5EF4-FFF2-40B4-BE49-F238E27FC236}">
@@ -5398,8 +6174,8 @@
         </p:nvSpPr>
         <p:spPr>
           <a:xfrm>
-            <a:off x="7704877" y="5498356"/>
-            <a:ext cx="4023360" cy="1092607"/>
+            <a:off x="6893169" y="5498356"/>
+            <a:ext cx="4835068" cy="892552"/>
           </a:xfrm>
           <a:prstGeom prst="rect">
             <a:avLst/>
@@ -5485,8 +6261,8 @@
         </p:nvSpPr>
         <p:spPr>
           <a:xfrm>
-            <a:off x="831273" y="5498356"/>
-            <a:ext cx="7111469" cy="1200329"/>
+            <a:off x="1096240" y="5537390"/>
+            <a:ext cx="5621083" cy="923330"/>
           </a:xfrm>
           <a:prstGeom prst="rect">
             <a:avLst/>
@@ -5501,7 +6277,7 @@
           <a:p>
             <a:pPr algn="ctr"/>
             <a:r>
-              <a:rPr lang="ca-ES" sz="7200" b="0" cap="none" spc="0" dirty="0">
+              <a:rPr lang="ca-ES" sz="5400" b="0" cap="none" spc="0" dirty="0">
                 <a:ln w="0"/>
                 <a:solidFill>
                   <a:schemeClr val="accent1"/>
@@ -5517,7 +6293,7 @@
               <a:t>+1</a:t>
             </a:r>
             <a:r>
-              <a:rPr lang="ca-ES" sz="4800" b="0" cap="none" spc="0" dirty="0">
+              <a:rPr lang="ca-ES" sz="3600" b="0" cap="none" spc="0" dirty="0">
                 <a:ln w="0"/>
                 <a:solidFill>
                   <a:schemeClr val="accent1"/>
@@ -5533,7 +6309,7 @@
               <a:t>€</a:t>
             </a:r>
             <a:r>
-              <a:rPr lang="ca-ES" sz="7200" b="0" cap="none" spc="0" dirty="0">
+              <a:rPr lang="ca-ES" sz="5400" b="0" cap="none" spc="0" dirty="0">
                 <a:ln w="0"/>
                 <a:solidFill>
                   <a:schemeClr val="accent1"/>
@@ -5549,7 +6325,7 @@
               <a:t>   =   </a:t>
             </a:r>
             <a:r>
-              <a:rPr lang="ca-ES" sz="7200" b="0" cap="none" spc="0" dirty="0">
+              <a:rPr lang="ca-ES" sz="5400" b="0" cap="none" spc="0" dirty="0">
                 <a:ln w="0"/>
                 <a:solidFill>
                   <a:srgbClr val="00B050"/>
@@ -5771,8 +6547,8 @@
         </p:blipFill>
         <p:spPr>
           <a:xfrm>
-            <a:off x="709354" y="4385754"/>
-            <a:ext cx="2758700" cy="1516317"/>
+            <a:off x="1344354" y="1388554"/>
+            <a:ext cx="5399346" cy="2967746"/>
           </a:xfrm>
           <a:prstGeom prst="rect">
             <a:avLst/>
@@ -5801,8 +6577,38 @@
         </p:blipFill>
         <p:spPr>
           <a:xfrm>
-            <a:off x="3691113" y="4374983"/>
-            <a:ext cx="2758700" cy="1516317"/>
+            <a:off x="6096000" y="2298886"/>
+            <a:ext cx="5399347" cy="2967746"/>
+          </a:xfrm>
+          <a:prstGeom prst="rect">
+            <a:avLst/>
+          </a:prstGeom>
+        </p:spPr>
+      </p:pic>
+      <p:pic>
+        <p:nvPicPr>
+          <p:cNvPr id="10" name="Imatge 9">
+            <a:extLst>
+              <a:ext uri="{FF2B5EF4-FFF2-40B4-BE49-F238E27FC236}">
+                <a16:creationId xmlns:a16="http://schemas.microsoft.com/office/drawing/2014/main" id="{A8DEB9AD-CB24-0250-A06E-F475C6017F5B}"/>
+              </a:ext>
+            </a:extLst>
+          </p:cNvPr>
+          <p:cNvPicPr>
+            <a:picLocks noChangeAspect="1"/>
+          </p:cNvPicPr>
+          <p:nvPr/>
+        </p:nvPicPr>
+        <p:blipFill>
+          <a:blip r:embed="rId4"/>
+          <a:stretch>
+            <a:fillRect/>
+          </a:stretch>
+        </p:blipFill>
+        <p:spPr>
+          <a:xfrm>
+            <a:off x="795728" y="5664849"/>
+            <a:ext cx="3472347" cy="604922"/>
           </a:xfrm>
           <a:prstGeom prst="rect">
             <a:avLst/>
